--- a/doc/Game Concepts Details.pptx
+++ b/doc/Game Concepts Details.pptx
@@ -5,8 +5,9 @@
     <p:sldMasterId id="2147483648" r:id="rId1"/>
   </p:sldMasterIdLst>
   <p:sldIdLst>
-    <p:sldId id="256" r:id="rId2"/>
-    <p:sldId id="257" r:id="rId3"/>
+    <p:sldId id="258" r:id="rId2"/>
+    <p:sldId id="256" r:id="rId3"/>
+    <p:sldId id="257" r:id="rId4"/>
   </p:sldIdLst>
   <p:sldSz cx="12192000" cy="6858000"/>
   <p:notesSz cx="6858000" cy="9144000"/>
@@ -105,6 +106,11 @@
       </a:defRPr>
     </a:lvl9pPr>
   </p:defaultTextStyle>
+  <p:extLst>
+    <p:ext uri="{EFAFB233-063F-42B5-8137-9DF3F51BA10A}">
+      <p15:sldGuideLst xmlns:p15="http://schemas.microsoft.com/office/powerpoint/2012/main"/>
+    </p:ext>
+  </p:extLst>
 </p:presentation>
 </file>
 
@@ -3324,6 +3330,271 @@
       </p:grpSpPr>
       <p:sp>
         <p:nvSpPr>
+          <p:cNvPr id="4" name="TextBox 3">
+            <a:extLst>
+              <a:ext uri="{FF2B5EF4-FFF2-40B4-BE49-F238E27FC236}">
+                <a16:creationId xmlns:a16="http://schemas.microsoft.com/office/drawing/2014/main" id="{0FC757A0-F8F0-4BF9-AE3D-25FA9AA34300}"/>
+              </a:ext>
+            </a:extLst>
+          </p:cNvPr>
+          <p:cNvSpPr txBox="1"/>
+          <p:nvPr/>
+        </p:nvSpPr>
+        <p:spPr>
+          <a:xfrm>
+            <a:off x="306732" y="963027"/>
+            <a:ext cx="5547415" cy="5678478"/>
+          </a:xfrm>
+          <a:prstGeom prst="rect">
+            <a:avLst/>
+          </a:prstGeom>
+          <a:noFill/>
+        </p:spPr>
+        <p:txBody>
+          <a:bodyPr wrap="square" rtlCol="0">
+            <a:spAutoFit/>
+          </a:bodyPr>
+          <a:lstStyle/>
+          <a:p>
+            <a:pPr marL="171450" indent="-171450">
+              <a:buFont typeface="Arial" panose="020B0604020202020204" pitchFamily="34" charset="0"/>
+              <a:buChar char="•"/>
+            </a:pPr>
+            <a:r>
+              <a:rPr lang="en-US" sz="1100" dirty="0"/>
+              <a:t>Time</a:t>
+            </a:r>
+          </a:p>
+          <a:p>
+            <a:pPr marL="628650" lvl="1" indent="-171450">
+              <a:buFont typeface="Arial" panose="020B0604020202020204" pitchFamily="34" charset="0"/>
+              <a:buChar char="•"/>
+            </a:pPr>
+            <a:r>
+              <a:rPr lang="en-US" sz="1100" dirty="0"/>
+              <a:t>This is a time-turn based game, in the same vein as Earth: 2025 and Utopia. The idea is that as time goes by a player will collect various ‘points’. At any point, those points can be spent/allocated to things like movement, skills, etc. </a:t>
+            </a:r>
+          </a:p>
+          <a:p>
+            <a:pPr marL="628650" lvl="1" indent="-171450">
+              <a:buFont typeface="Arial" panose="020B0604020202020204" pitchFamily="34" charset="0"/>
+              <a:buChar char="•"/>
+            </a:pPr>
+            <a:r>
+              <a:rPr lang="en-US" sz="1100" dirty="0"/>
+              <a:t>At the same time, various actions can be taken outside of the time-turns, e.g. engaging in battle, though getting into a battle may also be a function of turns. </a:t>
+            </a:r>
+          </a:p>
+          <a:p>
+            <a:pPr marL="628650" lvl="1" indent="-171450">
+              <a:buFont typeface="Arial" panose="020B0604020202020204" pitchFamily="34" charset="0"/>
+              <a:buChar char="•"/>
+            </a:pPr>
+            <a:r>
+              <a:rPr lang="en-US" sz="1100" dirty="0"/>
+              <a:t>Time can be logged via a timestamp system</a:t>
+            </a:r>
+          </a:p>
+          <a:p>
+            <a:pPr marL="171450" indent="-171450">
+              <a:buFont typeface="Arial" panose="020B0604020202020204" pitchFamily="34" charset="0"/>
+              <a:buChar char="•"/>
+            </a:pPr>
+            <a:r>
+              <a:rPr lang="en-US" sz="1100" dirty="0"/>
+              <a:t>Battle</a:t>
+            </a:r>
+          </a:p>
+          <a:p>
+            <a:pPr marL="628650" lvl="1" indent="-171450">
+              <a:buFont typeface="Arial" panose="020B0604020202020204" pitchFamily="34" charset="0"/>
+              <a:buChar char="•"/>
+            </a:pPr>
+            <a:r>
+              <a:rPr lang="en-US" sz="1100" dirty="0"/>
+              <a:t>Through battle, crew experience can be gained, components/knowledge can be plundered in victory, or damaged/lost in defeat</a:t>
+            </a:r>
+          </a:p>
+          <a:p>
+            <a:pPr marL="628650" lvl="1" indent="-171450">
+              <a:buFont typeface="Arial" panose="020B0604020202020204" pitchFamily="34" charset="0"/>
+              <a:buChar char="•"/>
+            </a:pPr>
+            <a:r>
+              <a:rPr lang="en-US" sz="1100" dirty="0"/>
+              <a:t>In the event of total defeat, escape pods can salvage aspects of the crew/other tangibles. </a:t>
+            </a:r>
+          </a:p>
+          <a:p>
+            <a:pPr marL="171450" indent="-171450">
+              <a:buFont typeface="Arial" panose="020B0604020202020204" pitchFamily="34" charset="0"/>
+              <a:buChar char="•"/>
+            </a:pPr>
+            <a:r>
+              <a:rPr lang="en-US" sz="1100" dirty="0"/>
+              <a:t>Ship design/efficiency/performance</a:t>
+            </a:r>
+          </a:p>
+          <a:p>
+            <a:pPr marL="628650" lvl="1" indent="-171450">
+              <a:buFont typeface="Arial" panose="020B0604020202020204" pitchFamily="34" charset="0"/>
+              <a:buChar char="•"/>
+            </a:pPr>
+            <a:r>
+              <a:rPr lang="en-US" sz="1100" dirty="0"/>
+              <a:t>There is an aspect of wanting to ever-improve your ship, make it more efficient through improved process pipelines, stronger, better for the crew, better overall. As time goes by and the many intricacies of the myriad subsystems intertwine, your ship will become ever more unique, ever more a representation of you. You will become </a:t>
+            </a:r>
+            <a:r>
+              <a:rPr lang="en-US" sz="1100" dirty="0" err="1"/>
+              <a:t>endeadered</a:t>
+            </a:r>
+            <a:r>
+              <a:rPr lang="en-US" sz="1100" dirty="0"/>
+              <a:t> to it and your crew. </a:t>
+            </a:r>
+          </a:p>
+          <a:p>
+            <a:pPr marL="171450" indent="-171450">
+              <a:buFont typeface="Arial" panose="020B0604020202020204" pitchFamily="34" charset="0"/>
+              <a:buChar char="•"/>
+            </a:pPr>
+            <a:r>
+              <a:rPr lang="en-US" sz="1100" dirty="0"/>
+              <a:t>Crew personalities</a:t>
+            </a:r>
+          </a:p>
+          <a:p>
+            <a:pPr marL="628650" lvl="1" indent="-171450">
+              <a:buFont typeface="Arial" panose="020B0604020202020204" pitchFamily="34" charset="0"/>
+              <a:buChar char="•"/>
+            </a:pPr>
+            <a:r>
+              <a:rPr lang="en-US" sz="1100" dirty="0"/>
+              <a:t>Crew psychology is contagious, and happiness will spread if in majority; so will sadness. All things being equal, psychology will tend toward a median based on overall characteristics, but can be heavily and acutely influenced through battles and improvements to basic conditions. </a:t>
+            </a:r>
+          </a:p>
+          <a:p>
+            <a:pPr marL="628650" lvl="1" indent="-171450">
+              <a:buFont typeface="Arial" panose="020B0604020202020204" pitchFamily="34" charset="0"/>
+              <a:buChar char="•"/>
+            </a:pPr>
+            <a:endParaRPr lang="en-US" sz="1100" dirty="0"/>
+          </a:p>
+          <a:p>
+            <a:pPr marL="171450" indent="-171450">
+              <a:buFont typeface="Arial" panose="020B0604020202020204" pitchFamily="34" charset="0"/>
+              <a:buChar char="•"/>
+            </a:pPr>
+            <a:r>
+              <a:rPr lang="en-US" sz="1100" dirty="0"/>
+              <a:t>Miscellaneous</a:t>
+            </a:r>
+          </a:p>
+          <a:p>
+            <a:pPr marL="628650" lvl="1" indent="-171450">
+              <a:buFont typeface="Arial" panose="020B0604020202020204" pitchFamily="34" charset="0"/>
+              <a:buChar char="•"/>
+            </a:pPr>
+            <a:r>
+              <a:rPr lang="en-US" sz="1100" dirty="0"/>
+              <a:t>Can add/curate officers and crew. With time and experience, they will become mature in various ways. </a:t>
+            </a:r>
+          </a:p>
+          <a:p>
+            <a:pPr marL="628650" lvl="1" indent="-171450">
+              <a:buFont typeface="Arial" panose="020B0604020202020204" pitchFamily="34" charset="0"/>
+              <a:buChar char="•"/>
+            </a:pPr>
+            <a:r>
+              <a:rPr lang="en-US" sz="1100" dirty="0"/>
+              <a:t>Can add psychological characteristics to this, personal development/deterioration, health etc. A complete sub-game. </a:t>
+            </a:r>
+          </a:p>
+          <a:p>
+            <a:pPr marL="628650" lvl="1" indent="-171450">
+              <a:buFont typeface="Arial" panose="020B0604020202020204" pitchFamily="34" charset="0"/>
+              <a:buChar char="•"/>
+            </a:pPr>
+            <a:r>
+              <a:rPr lang="en-US" sz="1100" dirty="0"/>
+              <a:t>All systems/persons in the game evolve with each ‘tick’, and this can be tracked via charts and stats. From anti-matter flow in the engines, to health, energy, deterioration of certain systems etc. </a:t>
+            </a:r>
+          </a:p>
+          <a:p>
+            <a:r>
+              <a:rPr lang="en-US" sz="1100" dirty="0"/>
+              <a:t> </a:t>
+            </a:r>
+          </a:p>
+        </p:txBody>
+      </p:sp>
+      <p:sp>
+        <p:nvSpPr>
+          <p:cNvPr id="5" name="TextBox 4">
+            <a:extLst>
+              <a:ext uri="{FF2B5EF4-FFF2-40B4-BE49-F238E27FC236}">
+                <a16:creationId xmlns:a16="http://schemas.microsoft.com/office/drawing/2014/main" id="{F985133B-CC1C-4A45-B302-E2778C6A5FF5}"/>
+              </a:ext>
+            </a:extLst>
+          </p:cNvPr>
+          <p:cNvSpPr txBox="1"/>
+          <p:nvPr/>
+        </p:nvSpPr>
+        <p:spPr>
+          <a:xfrm>
+            <a:off x="120650" y="82550"/>
+            <a:ext cx="1553887" cy="369332"/>
+          </a:xfrm>
+          <a:prstGeom prst="rect">
+            <a:avLst/>
+          </a:prstGeom>
+          <a:noFill/>
+        </p:spPr>
+        <p:txBody>
+          <a:bodyPr wrap="none" rtlCol="0">
+            <a:spAutoFit/>
+          </a:bodyPr>
+          <a:lstStyle/>
+          <a:p>
+            <a:r>
+              <a:rPr lang="en-US" dirty="0"/>
+              <a:t>Basic concepts</a:t>
+            </a:r>
+          </a:p>
+        </p:txBody>
+      </p:sp>
+    </p:spTree>
+    <p:extLst>
+      <p:ext uri="{BB962C8B-B14F-4D97-AF65-F5344CB8AC3E}">
+        <p14:creationId xmlns:p14="http://schemas.microsoft.com/office/powerpoint/2010/main" val="3720261210"/>
+      </p:ext>
+    </p:extLst>
+  </p:cSld>
+  <p:clrMapOvr>
+    <a:masterClrMapping/>
+  </p:clrMapOvr>
+</p:sld>
+</file>
+
+<file path=ppt/slides/slide2.xml><?xml version="1.0" encoding="utf-8"?>
+<p:sld xmlns:a="http://schemas.openxmlformats.org/drawingml/2006/main" xmlns:r="http://schemas.openxmlformats.org/officeDocument/2006/relationships" xmlns:p="http://schemas.openxmlformats.org/presentationml/2006/main">
+  <p:cSld>
+    <p:spTree>
+      <p:nvGrpSpPr>
+        <p:cNvPr id="1" name=""/>
+        <p:cNvGrpSpPr/>
+        <p:nvPr/>
+      </p:nvGrpSpPr>
+      <p:grpSpPr>
+        <a:xfrm>
+          <a:off x="0" y="0"/>
+          <a:ext cx="0" cy="0"/>
+          <a:chOff x="0" y="0"/>
+          <a:chExt cx="0" cy="0"/>
+        </a:xfrm>
+      </p:grpSpPr>
+      <p:sp>
+        <p:nvSpPr>
           <p:cNvPr id="4" name="Rectangle 3">
             <a:extLst>
               <a:ext uri="{FF2B5EF4-FFF2-40B4-BE49-F238E27FC236}">
@@ -3988,7 +4259,7 @@
 </p:sld>
 </file>
 
-<file path=ppt/slides/slide2.xml><?xml version="1.0" encoding="utf-8"?>
+<file path=ppt/slides/slide3.xml><?xml version="1.0" encoding="utf-8"?>
 <p:sld xmlns:a="http://schemas.openxmlformats.org/drawingml/2006/main" xmlns:r="http://schemas.openxmlformats.org/officeDocument/2006/relationships" xmlns:p="http://schemas.openxmlformats.org/presentationml/2006/main">
   <p:cSld>
     <p:spTree>
